--- a/sesion1/teoria/Marco de Trabajo clase 1.pptx
+++ b/sesion1/teoria/Marco de Trabajo clase 1.pptx
@@ -5341,6 +5341,98 @@
       </p:grpSpPr>
       <p:sp>
         <p:nvSpPr>
+          <p:cNvPr id="22" name="Elipse 21">
+            <a:extLst>
+              <a:ext uri="{FF2B5EF4-FFF2-40B4-BE49-F238E27FC236}">
+                <a16:creationId xmlns:a16="http://schemas.microsoft.com/office/drawing/2014/main" id="{C27D6C45-0683-4839-8DC1-304D96CB6815}"/>
+              </a:ext>
+            </a:extLst>
+          </p:cNvPr>
+          <p:cNvSpPr/>
+          <p:nvPr/>
+        </p:nvSpPr>
+        <p:spPr>
+          <a:xfrm>
+            <a:off x="838200" y="5433834"/>
+            <a:ext cx="2349718" cy="1200329"/>
+          </a:xfrm>
+          <a:prstGeom prst="ellipse">
+            <a:avLst/>
+          </a:prstGeom>
+        </p:spPr>
+        <p:style>
+          <a:lnRef idx="2">
+            <a:schemeClr val="accent1">
+              <a:shade val="50000"/>
+            </a:schemeClr>
+          </a:lnRef>
+          <a:fillRef idx="1">
+            <a:schemeClr val="accent1"/>
+          </a:fillRef>
+          <a:effectRef idx="0">
+            <a:schemeClr val="accent1"/>
+          </a:effectRef>
+          <a:fontRef idx="minor">
+            <a:schemeClr val="lt1"/>
+          </a:fontRef>
+        </p:style>
+        <p:txBody>
+          <a:bodyPr rtlCol="0" anchor="ctr"/>
+          <a:lstStyle/>
+          <a:p>
+            <a:pPr algn="ctr"/>
+            <a:endParaRPr lang="es-CO"/>
+          </a:p>
+        </p:txBody>
+      </p:sp>
+      <p:sp>
+        <p:nvSpPr>
+          <p:cNvPr id="24" name="Elipse 23">
+            <a:extLst>
+              <a:ext uri="{FF2B5EF4-FFF2-40B4-BE49-F238E27FC236}">
+                <a16:creationId xmlns:a16="http://schemas.microsoft.com/office/drawing/2014/main" id="{C07F6F7E-D7C6-4610-A8B6-11781066D718}"/>
+              </a:ext>
+            </a:extLst>
+          </p:cNvPr>
+          <p:cNvSpPr/>
+          <p:nvPr/>
+        </p:nvSpPr>
+        <p:spPr>
+          <a:xfrm>
+            <a:off x="9225524" y="5435659"/>
+            <a:ext cx="2349718" cy="1200329"/>
+          </a:xfrm>
+          <a:prstGeom prst="ellipse">
+            <a:avLst/>
+          </a:prstGeom>
+        </p:spPr>
+        <p:style>
+          <a:lnRef idx="2">
+            <a:schemeClr val="accent1">
+              <a:shade val="50000"/>
+            </a:schemeClr>
+          </a:lnRef>
+          <a:fillRef idx="1">
+            <a:schemeClr val="accent1"/>
+          </a:fillRef>
+          <a:effectRef idx="0">
+            <a:schemeClr val="accent1"/>
+          </a:effectRef>
+          <a:fontRef idx="minor">
+            <a:schemeClr val="lt1"/>
+          </a:fontRef>
+        </p:style>
+        <p:txBody>
+          <a:bodyPr rtlCol="0" anchor="ctr"/>
+          <a:lstStyle/>
+          <a:p>
+            <a:pPr algn="ctr"/>
+            <a:endParaRPr lang="es-CO"/>
+          </a:p>
+        </p:txBody>
+      </p:sp>
+      <p:sp>
+        <p:nvSpPr>
           <p:cNvPr id="2" name="Título 1"/>
           <p:cNvSpPr>
             <a:spLocks noGrp="1"/>
@@ -5588,7 +5680,7 @@
         </p:nvSpPr>
         <p:spPr>
           <a:xfrm>
-            <a:off x="9699295" y="5766661"/>
+            <a:off x="9154030" y="5759232"/>
             <a:ext cx="2492705" cy="646331"/>
           </a:xfrm>
           <a:prstGeom prst="rect">
@@ -5607,21 +5699,23 @@
           </a:bodyPr>
           <a:lstStyle/>
           <a:p>
+            <a:pPr algn="ctr"/>
             <a:r>
               <a:rPr lang="es-CO" b="1" dirty="0">
-                <a:solidFill>
-                  <a:srgbClr val="FF0000"/>
-                </a:solidFill>
+                <a:highlight>
+                  <a:srgbClr val="FFFF00"/>
+                </a:highlight>
               </a:rPr>
               <a:t>FRONTEND</a:t>
             </a:r>
           </a:p>
           <a:p>
+            <a:pPr algn="ctr"/>
             <a:r>
               <a:rPr lang="es-CO" b="1" dirty="0">
-                <a:solidFill>
-                  <a:srgbClr val="FF0000"/>
-                </a:solidFill>
+                <a:highlight>
+                  <a:srgbClr val="FFFF00"/>
+                </a:highlight>
               </a:rPr>
               <a:t>CLIENTE</a:t>
             </a:r>
@@ -5637,7 +5731,7 @@
         <p:spPr>
           <a:xfrm>
             <a:off x="1365161" y="5678269"/>
-            <a:ext cx="1348446" cy="646331"/>
+            <a:ext cx="1161280" cy="646331"/>
           </a:xfrm>
           <a:prstGeom prst="rect">
             <a:avLst/>
@@ -5655,21 +5749,23 @@
           </a:bodyPr>
           <a:lstStyle/>
           <a:p>
-            <a:r>
-              <a:rPr lang="es-CO" dirty="0">
-                <a:solidFill>
-                  <a:srgbClr val="FF0000"/>
-                </a:solidFill>
+            <a:pPr algn="ctr"/>
+            <a:r>
+              <a:rPr lang="es-CO" b="1" dirty="0">
+                <a:highlight>
+                  <a:srgbClr val="FFFF00"/>
+                </a:highlight>
               </a:rPr>
               <a:t>BACKEND</a:t>
             </a:r>
           </a:p>
           <a:p>
-            <a:r>
-              <a:rPr lang="es-CO" dirty="0">
-                <a:solidFill>
-                  <a:srgbClr val="FF0000"/>
-                </a:solidFill>
+            <a:pPr algn="ctr"/>
+            <a:r>
+              <a:rPr lang="es-CO" b="1" dirty="0">
+                <a:highlight>
+                  <a:srgbClr val="FFFF00"/>
+                </a:highlight>
               </a:rPr>
               <a:t>SERVIDOR</a:t>
             </a:r>
@@ -6024,7 +6120,7 @@
         </p:nvSpPr>
         <p:spPr>
           <a:xfrm flipH="1">
-            <a:off x="9971788" y="4873751"/>
+            <a:off x="9638476" y="4437410"/>
             <a:ext cx="1836743" cy="923330"/>
           </a:xfrm>
           <a:prstGeom prst="rect">
@@ -6528,7 +6624,12 @@
             <p:ph idx="1"/>
           </p:nvPr>
         </p:nvSpPr>
-        <p:spPr/>
+        <p:spPr>
+          <a:xfrm>
+            <a:off x="917222" y="1749073"/>
+            <a:ext cx="10515600" cy="4351338"/>
+          </a:xfrm>
+        </p:spPr>
         <p:txBody>
           <a:bodyPr rtlCol="0"/>
           <a:lstStyle/>
@@ -6537,17 +6638,13 @@
               <a:rPr lang="es-ES" dirty="0">
                 <a:hlinkClick r:id="rId3"/>
               </a:rPr>
-              <a:t>https://github.com/WalterArias/</a:t>
-            </a:r>
-            <a:r>
-              <a:rPr lang="es-ES" dirty="0"/>
-              <a:t>seminariophp/</a:t>
+              <a:t>https://github.com/WalterArias/smphp</a:t>
             </a:r>
           </a:p>
           <a:p>
             <a:r>
               <a:rPr lang="es-ES" dirty="0">
-                <a:hlinkClick r:id="rId4"/>
+                <a:hlinkClick r:id="rId3"/>
               </a:rPr>
               <a:t>https://www.php.net/manual/es/index.php</a:t>
             </a:r>
@@ -6558,6 +6655,68 @@
           </a:p>
           <a:p>
             <a:endParaRPr lang="es-ES" u="sng" dirty="0"/>
+          </a:p>
+        </p:txBody>
+      </p:sp>
+      <p:sp>
+        <p:nvSpPr>
+          <p:cNvPr id="5" name="Flecha: hacia la izquierda 4">
+            <a:extLst>
+              <a:ext uri="{FF2B5EF4-FFF2-40B4-BE49-F238E27FC236}">
+                <a16:creationId xmlns:a16="http://schemas.microsoft.com/office/drawing/2014/main" id="{EE2ABB5C-1B74-477B-900E-6C99E86FAB77}"/>
+              </a:ext>
+            </a:extLst>
+          </p:cNvPr>
+          <p:cNvSpPr/>
+          <p:nvPr/>
+        </p:nvSpPr>
+        <p:spPr>
+          <a:xfrm>
+            <a:off x="7179734" y="1118217"/>
+            <a:ext cx="3984978" cy="1849349"/>
+          </a:xfrm>
+          <a:prstGeom prst="leftArrow">
+            <a:avLst/>
+          </a:prstGeom>
+          <a:solidFill>
+            <a:schemeClr val="accent6">
+              <a:lumMod val="75000"/>
+            </a:schemeClr>
+          </a:solidFill>
+          <a:ln>
+            <a:solidFill>
+              <a:schemeClr val="accent2">
+                <a:lumMod val="75000"/>
+              </a:schemeClr>
+            </a:solidFill>
+          </a:ln>
+        </p:spPr>
+        <p:style>
+          <a:lnRef idx="2">
+            <a:schemeClr val="accent1">
+              <a:shade val="50000"/>
+            </a:schemeClr>
+          </a:lnRef>
+          <a:fillRef idx="1">
+            <a:schemeClr val="accent1"/>
+          </a:fillRef>
+          <a:effectRef idx="0">
+            <a:schemeClr val="accent1"/>
+          </a:effectRef>
+          <a:fontRef idx="minor">
+            <a:schemeClr val="lt1"/>
+          </a:fontRef>
+        </p:style>
+        <p:txBody>
+          <a:bodyPr rtlCol="0" anchor="ctr"/>
+          <a:lstStyle/>
+          <a:p>
+            <a:pPr algn="ctr"/>
+            <a:r>
+              <a:rPr lang="es-ES" dirty="0"/>
+              <a:t>REPOSITORIO CON EL CÓDIGO DE EJEMPLO</a:t>
+            </a:r>
+            <a:endParaRPr lang="es-CO" dirty="0"/>
           </a:p>
         </p:txBody>
       </p:sp>

--- a/sesion1/teoria/Marco de Trabajo clase 1.pptx
+++ b/sesion1/teoria/Marco de Trabajo clase 1.pptx
@@ -5463,7 +5463,12 @@
             <p:ph idx="1"/>
           </p:nvPr>
         </p:nvSpPr>
-        <p:spPr/>
+        <p:spPr>
+          <a:xfrm>
+            <a:off x="638974" y="1284720"/>
+            <a:ext cx="10515600" cy="4351338"/>
+          </a:xfrm>
+        </p:spPr>
         <p:txBody>
           <a:bodyPr/>
           <a:lstStyle/>
@@ -5648,6 +5653,12 @@
           <a:prstGeom prst="rect">
             <a:avLst/>
           </a:prstGeom>
+          <a:solidFill>
+            <a:schemeClr val="accent6">
+              <a:lumMod val="60000"/>
+              <a:lumOff val="40000"/>
+            </a:schemeClr>
+          </a:solidFill>
         </p:spPr>
         <p:style>
           <a:lnRef idx="2">
@@ -5808,13 +5819,16 @@
       <p:cxnSp>
         <p:nvCxnSpPr>
           <p:cNvPr id="14" name="Conector recto de flecha 13"/>
-          <p:cNvCxnSpPr/>
+          <p:cNvCxnSpPr>
+            <a:cxnSpLocks/>
+            <a:stCxn id="4" idx="2"/>
+          </p:cNvCxnSpPr>
           <p:nvPr/>
         </p:nvCxnSpPr>
         <p:spPr>
           <a:xfrm flipH="1" flipV="1">
-            <a:off x="2975020" y="3026535"/>
-            <a:ext cx="1223493" cy="90152"/>
+            <a:off x="2966704" y="3243756"/>
+            <a:ext cx="2572688" cy="109712"/>
           </a:xfrm>
           <a:prstGeom prst="straightConnector1">
             <a:avLst/>
@@ -5912,7 +5926,7 @@
         </p:nvSpPr>
         <p:spPr>
           <a:xfrm>
-            <a:off x="7806313" y="5520082"/>
+            <a:off x="7731998" y="5429987"/>
             <a:ext cx="1711174" cy="369332"/>
           </a:xfrm>
           <a:prstGeom prst="rect">
@@ -6022,7 +6036,7 @@
         </p:nvSpPr>
         <p:spPr>
           <a:xfrm>
-            <a:off x="4183915" y="2779449"/>
+            <a:off x="3845844" y="2572000"/>
             <a:ext cx="1386918" cy="646331"/>
           </a:xfrm>
           <a:prstGeom prst="rect">
@@ -6541,6 +6555,12 @@
             <a:r>
               <a:rPr lang="es-ES" dirty="0"/>
               <a:t>Variables y tipos de datos en PHP</a:t>
+            </a:r>
+          </a:p>
+          <a:p>
+            <a:r>
+              <a:rPr lang="es-ES" dirty="0"/>
+              <a:t>Estructuras de decisión Sencillas en PHP </a:t>
             </a:r>
           </a:p>
           <a:p>
